--- a/PRIMER_DIA/NORMAS APA/TALLER APA.pptx
+++ b/PRIMER_DIA/NORMAS APA/TALLER APA.pptx
@@ -230,7 +230,7 @@
           <a:p>
             <a:fld id="{41E43016-2B50-BC4A-8493-4E9F6F3489B7}" type="datetimeFigureOut">
               <a:rPr lang="es-ES" smtClean="0"/>
-              <a:t>26/08/2017</a:t>
+              <a:t>30/08/2017</a:t>
             </a:fld>
             <a:endParaRPr lang="es-ES"/>
           </a:p>
@@ -3367,7 +3367,7 @@
           <a:p>
             <a:fld id="{6AC90220-104B-5B47-B5D0-AA07A88CE336}" type="datetimeFigureOut">
               <a:rPr lang="es-ES" smtClean="0"/>
-              <a:t>26/08/2017</a:t>
+              <a:t>30/08/2017</a:t>
             </a:fld>
             <a:endParaRPr lang="es-ES"/>
           </a:p>
@@ -3537,7 +3537,7 @@
           <a:p>
             <a:fld id="{6AC90220-104B-5B47-B5D0-AA07A88CE336}" type="datetimeFigureOut">
               <a:rPr lang="es-ES" smtClean="0"/>
-              <a:t>26/08/2017</a:t>
+              <a:t>30/08/2017</a:t>
             </a:fld>
             <a:endParaRPr lang="es-ES"/>
           </a:p>
@@ -3717,7 +3717,7 @@
           <a:p>
             <a:fld id="{6AC90220-104B-5B47-B5D0-AA07A88CE336}" type="datetimeFigureOut">
               <a:rPr lang="es-ES" smtClean="0"/>
-              <a:t>26/08/2017</a:t>
+              <a:t>30/08/2017</a:t>
             </a:fld>
             <a:endParaRPr lang="es-ES"/>
           </a:p>
@@ -3887,7 +3887,7 @@
           <a:p>
             <a:fld id="{6AC90220-104B-5B47-B5D0-AA07A88CE336}" type="datetimeFigureOut">
               <a:rPr lang="es-ES" smtClean="0"/>
-              <a:t>26/08/2017</a:t>
+              <a:t>30/08/2017</a:t>
             </a:fld>
             <a:endParaRPr lang="es-ES"/>
           </a:p>
@@ -4133,7 +4133,7 @@
           <a:p>
             <a:fld id="{6AC90220-104B-5B47-B5D0-AA07A88CE336}" type="datetimeFigureOut">
               <a:rPr lang="es-ES" smtClean="0"/>
-              <a:t>26/08/2017</a:t>
+              <a:t>30/08/2017</a:t>
             </a:fld>
             <a:endParaRPr lang="es-ES"/>
           </a:p>
@@ -4421,7 +4421,7 @@
           <a:p>
             <a:fld id="{6AC90220-104B-5B47-B5D0-AA07A88CE336}" type="datetimeFigureOut">
               <a:rPr lang="es-ES" smtClean="0"/>
-              <a:t>26/08/2017</a:t>
+              <a:t>30/08/2017</a:t>
             </a:fld>
             <a:endParaRPr lang="es-ES"/>
           </a:p>
@@ -4843,7 +4843,7 @@
           <a:p>
             <a:fld id="{6AC90220-104B-5B47-B5D0-AA07A88CE336}" type="datetimeFigureOut">
               <a:rPr lang="es-ES" smtClean="0"/>
-              <a:t>26/08/2017</a:t>
+              <a:t>30/08/2017</a:t>
             </a:fld>
             <a:endParaRPr lang="es-ES"/>
           </a:p>
@@ -4961,7 +4961,7 @@
           <a:p>
             <a:fld id="{6AC90220-104B-5B47-B5D0-AA07A88CE336}" type="datetimeFigureOut">
               <a:rPr lang="es-ES" smtClean="0"/>
-              <a:t>26/08/2017</a:t>
+              <a:t>30/08/2017</a:t>
             </a:fld>
             <a:endParaRPr lang="es-ES"/>
           </a:p>
@@ -5056,7 +5056,7 @@
           <a:p>
             <a:fld id="{6AC90220-104B-5B47-B5D0-AA07A88CE336}" type="datetimeFigureOut">
               <a:rPr lang="es-ES" smtClean="0"/>
-              <a:t>26/08/2017</a:t>
+              <a:t>30/08/2017</a:t>
             </a:fld>
             <a:endParaRPr lang="es-ES"/>
           </a:p>
@@ -5333,7 +5333,7 @@
           <a:p>
             <a:fld id="{6AC90220-104B-5B47-B5D0-AA07A88CE336}" type="datetimeFigureOut">
               <a:rPr lang="es-ES" smtClean="0"/>
-              <a:t>26/08/2017</a:t>
+              <a:t>30/08/2017</a:t>
             </a:fld>
             <a:endParaRPr lang="es-ES"/>
           </a:p>
@@ -5586,7 +5586,7 @@
           <a:p>
             <a:fld id="{6AC90220-104B-5B47-B5D0-AA07A88CE336}" type="datetimeFigureOut">
               <a:rPr lang="es-ES" smtClean="0"/>
-              <a:t>26/08/2017</a:t>
+              <a:t>30/08/2017</a:t>
             </a:fld>
             <a:endParaRPr lang="es-ES"/>
           </a:p>
@@ -5799,7 +5799,7 @@
           <a:p>
             <a:fld id="{6AC90220-104B-5B47-B5D0-AA07A88CE336}" type="datetimeFigureOut">
               <a:rPr lang="es-ES" smtClean="0"/>
-              <a:t>26/08/2017</a:t>
+              <a:t>30/08/2017</a:t>
             </a:fld>
             <a:endParaRPr lang="es-ES"/>
           </a:p>
@@ -6988,12 +6988,15 @@
           <p:nvPr/>
         </p:nvSpPr>
         <p:spPr>
-          <a:xfrm rot="1155852">
-            <a:off x="7656394" y="136477"/>
+          <a:xfrm>
+            <a:off x="5031496" y="300676"/>
             <a:ext cx="2934269" cy="2647665"/>
           </a:xfrm>
           <a:prstGeom prst="cloudCallout">
-            <a:avLst/>
+            <a:avLst>
+              <a:gd name="adj1" fmla="val 49203"/>
+              <a:gd name="adj2" fmla="val 46478"/>
+            </a:avLst>
           </a:prstGeom>
         </p:spPr>
         <p:style>
@@ -13740,8 +13743,8 @@
         </p:blipFill>
         <p:spPr>
           <a:xfrm>
-            <a:off x="0" y="129602"/>
-            <a:ext cx="9247171" cy="2013992"/>
+            <a:off x="1" y="129602"/>
+            <a:ext cx="9144000" cy="2013992"/>
           </a:xfrm>
           <a:prstGeom prst="rect">
             <a:avLst/>
